--- a/lessons/Lesson_3.pptx
+++ b/lessons/Lesson_3.pptx
@@ -39,23 +39,18 @@
       <p:bold r:id="rId22"/>
     </p:embeddedFont>
     <p:embeddedFont>
-      <p:font typeface="Microsoft YaHei" panose="020B0503020204020204" pitchFamily="34" charset="-122"/>
+      <p:font typeface="Calibri" panose="020F0502020204030204" pitchFamily="34" charset="0"/>
       <p:regular r:id="rId23"/>
       <p:bold r:id="rId24"/>
-    </p:embeddedFont>
-    <p:embeddedFont>
-      <p:font typeface="Calibri" panose="020F0502020204030204" pitchFamily="34" charset="0"/>
-      <p:regular r:id="rId25"/>
-      <p:bold r:id="rId26"/>
-      <p:italic r:id="rId27"/>
-      <p:boldItalic r:id="rId28"/>
+      <p:italic r:id="rId25"/>
+      <p:boldItalic r:id="rId26"/>
     </p:embeddedFont>
     <p:embeddedFont>
       <p:font typeface="Georgia" panose="02040502050405020303" pitchFamily="18" charset="0"/>
-      <p:regular r:id="rId29"/>
-      <p:bold r:id="rId30"/>
-      <p:italic r:id="rId31"/>
-      <p:boldItalic r:id="rId32"/>
+      <p:regular r:id="rId27"/>
+      <p:bold r:id="rId28"/>
+      <p:italic r:id="rId29"/>
+      <p:boldItalic r:id="rId30"/>
     </p:embeddedFont>
   </p:embeddedFontLst>
   <p:defaultTextStyle>
@@ -11557,7 +11552,7 @@
             </a:pPr>
             <a:r>
               <a:rPr lang="en" dirty="0" smtClean="0"/>
-              <a:t>Exercise 2 part 1</a:t>
+              <a:t>Exercise 3 part 1</a:t>
             </a:r>
             <a:endParaRPr lang="en" dirty="0"/>
           </a:p>
@@ -11629,17 +11624,34 @@
           <a:p>
             <a:r>
               <a:rPr lang="en-US" dirty="0"/>
-              <a:t>Run the shell of the virtual OS and try to execute all </a:t>
+              <a:t>Run the </a:t>
             </a:r>
             <a:r>
               <a:rPr lang="en-US" dirty="0" smtClean="0"/>
-              <a:t>the </a:t>
-            </a:r>
-            <a:r>
-              <a:rPr lang="en-US" dirty="0"/>
-              <a:t>commands (use "help" to list all the available commands) </a:t>
-            </a:r>
-            <a:endParaRPr lang="en-US" dirty="0" smtClean="0"/>
+              <a:t>Pomodoro App</a:t>
+            </a:r>
+          </a:p>
+          <a:p>
+            <a:r>
+              <a:rPr lang="en-US" dirty="0" smtClean="0"/>
+              <a:t>Try to change the </a:t>
+            </a:r>
+            <a:r>
+              <a:rPr lang="en-US" dirty="0" err="1" smtClean="0"/>
+              <a:t>config</a:t>
+            </a:r>
+            <a:r>
+              <a:rPr lang="en-US" dirty="0" err="1"/>
+              <a:t>.</a:t>
+            </a:r>
+            <a:r>
+              <a:rPr lang="en-US" dirty="0" err="1" smtClean="0"/>
+              <a:t>json</a:t>
+            </a:r>
+            <a:r>
+              <a:rPr lang="en-US" dirty="0" smtClean="0"/>
+              <a:t> colors and strings and re-run the Pomodoro App</a:t>
+            </a:r>
           </a:p>
         </p:txBody>
       </p:sp>
@@ -11696,7 +11708,7 @@
                 <a:latin typeface="Courier New" panose="02070309020205020404" pitchFamily="49" charset="0"/>
                 <a:cs typeface="Courier New" panose="02070309020205020404" pitchFamily="49" charset="0"/>
               </a:rPr>
-              <a:t>./ComputerProgrammingBasic/exercise2/Exercise_2.pptx</a:t>
+              <a:t>./ComputerProgrammingBasic/exercise3/Exercise_3.pptx</a:t>
             </a:r>
             <a:endParaRPr lang="en" sz="800" dirty="0">
               <a:solidFill>
@@ -11714,7 +11726,19 @@
             </a:pPr>
             <a:r>
               <a:rPr lang="en" dirty="0" smtClean="0"/>
-              <a:t>Read FileSystem documentation</a:t>
+              <a:t>Read </a:t>
+            </a:r>
+            <a:r>
+              <a:rPr lang="en" smtClean="0"/>
+              <a:t>Pomodoro </a:t>
+            </a:r>
+            <a:r>
+              <a:rPr lang="en" smtClean="0"/>
+              <a:t>Timer class </a:t>
+            </a:r>
+            <a:r>
+              <a:rPr lang="en" dirty="0" smtClean="0"/>
+              <a:t>documentation</a:t>
             </a:r>
           </a:p>
           <a:p>
@@ -11724,12 +11748,8 @@
               <a:buChar char="•"/>
             </a:pPr>
             <a:r>
-              <a:rPr lang="en" dirty="0"/>
-              <a:t>Read </a:t>
-            </a:r>
-            <a:r>
               <a:rPr lang="en" dirty="0" smtClean="0"/>
-              <a:t>Driver documentation</a:t>
+              <a:t>Read Countdown class documentation</a:t>
             </a:r>
           </a:p>
           <a:p>
@@ -11740,7 +11760,18 @@
             </a:pPr>
             <a:r>
               <a:rPr lang="en" dirty="0" smtClean="0"/>
-              <a:t>Read Scheduler documentation</a:t>
+              <a:t>Read Low Window class documentation</a:t>
+            </a:r>
+          </a:p>
+          <a:p>
+            <a:pPr marL="457200" lvl="3" indent="-342900">
+              <a:buSzPts val="1800"/>
+              <a:buFont typeface="Arial" panose="020B0604020202020204" pitchFamily="34" charset="0"/>
+              <a:buChar char="•"/>
+            </a:pPr>
+            <a:r>
+              <a:rPr lang="en" dirty="0" smtClean="0"/>
+              <a:t>Read Config class documentation</a:t>
             </a:r>
           </a:p>
           <a:p>
@@ -11757,15 +11788,24 @@
             </a:pPr>
             <a:r>
               <a:rPr lang="en" dirty="0" smtClean="0"/>
-              <a:t>Run the Shell and try all the commands (start with </a:t>
-            </a:r>
-            <a:r>
-              <a:rPr lang="en" b="1" dirty="0" smtClean="0"/>
-              <a:t>help</a:t>
-            </a:r>
+              <a:t>Run the App</a:t>
+            </a:r>
+          </a:p>
+          <a:p>
+            <a:pPr marL="457200" lvl="0" indent="-342900" rtl="0">
+              <a:spcBef>
+                <a:spcPts val="0"/>
+              </a:spcBef>
+              <a:spcAft>
+                <a:spcPts val="1000"/>
+              </a:spcAft>
+              <a:buSzPts val="1800"/>
+              <a:buFont typeface="+mj-lt"/>
+              <a:buAutoNum type="arabicPeriod" startAt="2"/>
+            </a:pPr>
             <a:r>
               <a:rPr lang="en" dirty="0" smtClean="0"/>
-              <a:t>)</a:t>
+              <a:t>Change the config.json and run the App</a:t>
             </a:r>
           </a:p>
           <a:p>
@@ -11846,7 +11886,7 @@
             </a:pPr>
             <a:r>
               <a:rPr lang="en" dirty="0" smtClean="0"/>
-              <a:t>Exercise 2 part 2</a:t>
+              <a:t>Exercise 3 part 2</a:t>
             </a:r>
             <a:endParaRPr lang="en" dirty="0"/>
           </a:p>
@@ -11923,22 +11963,34 @@
               <a:buNone/>
             </a:pPr>
             <a:r>
-              <a:rPr lang="en" dirty="0" smtClean="0"/>
-              <a:t>Add a mkdir command that create new folder </a:t>
+              <a:rPr lang="it-IT" dirty="0" smtClean="0"/>
+              <a:t>Add a new button to set two types of countdown:</a:t>
             </a:r>
           </a:p>
           <a:p>
-            <a:r>
-              <a:rPr lang="en-US" dirty="0"/>
-              <a:t>Implement </a:t>
-            </a:r>
-            <a:r>
-              <a:rPr lang="en-US" dirty="0" err="1"/>
-              <a:t>mkdir</a:t>
-            </a:r>
-            <a:r>
-              <a:rPr lang="en-US" dirty="0"/>
-              <a:t> using filesystem API</a:t>
+            <a:pPr marL="285750" lvl="0" indent="-285750">
+              <a:spcBef>
+                <a:spcPts val="0"/>
+              </a:spcBef>
+              <a:buFontTx/>
+              <a:buChar char="-"/>
+            </a:pPr>
+            <a:r>
+              <a:rPr lang="it-IT" dirty="0" smtClean="0"/>
+              <a:t>Pomodoro 25 minutes</a:t>
+            </a:r>
+          </a:p>
+          <a:p>
+            <a:pPr marL="285750" lvl="0" indent="-285750">
+              <a:spcBef>
+                <a:spcPts val="0"/>
+              </a:spcBef>
+              <a:buFontTx/>
+              <a:buChar char="-"/>
+            </a:pPr>
+            <a:r>
+              <a:rPr lang="it-IT" dirty="0" smtClean="0"/>
+              <a:t>Break 5 minutes</a:t>
             </a:r>
             <a:endParaRPr lang="en" dirty="0"/>
           </a:p>
@@ -11984,20 +12036,13 @@
             </a:pPr>
             <a:r>
               <a:rPr lang="en" dirty="0"/>
-              <a:t>Review </a:t>
-            </a:r>
-            <a:r>
-              <a:rPr lang="en"/>
-              <a:t>the </a:t>
-            </a:r>
-            <a:r>
-              <a:rPr lang="en" smtClean="0"/>
-              <a:t>File System </a:t>
-            </a:r>
-            <a:r>
-              <a:rPr lang="en" dirty="0"/>
-              <a:t>commands code</a:t>
-            </a:r>
+              <a:t>Review the </a:t>
+            </a:r>
+            <a:r>
+              <a:rPr lang="en" dirty="0" smtClean="0"/>
+              <a:t>Pomodoro Timercode</a:t>
+            </a:r>
+            <a:endParaRPr lang="en" dirty="0"/>
           </a:p>
           <a:p>
             <a:pPr marL="114300">
@@ -12011,53 +12056,14 @@
                 <a:latin typeface="Courier New" panose="02070309020205020404" pitchFamily="49" charset="0"/>
                 <a:cs typeface="Courier New" panose="02070309020205020404" pitchFamily="49" charset="0"/>
               </a:rPr>
-              <a:t>./ComputerProgrammingBasic/exercise2/filesystem.py</a:t>
+              <a:t>./ComputerProgrammingBasic/exercise3/pomodoro_timer.py</a:t>
             </a:r>
             <a:endParaRPr lang="en" dirty="0" smtClean="0"/>
-          </a:p>
-          <a:p>
-            <a:pPr marL="457200" lvl="0" indent="-342900" rtl="0">
-              <a:spcBef>
-                <a:spcPts val="0"/>
-              </a:spcBef>
-              <a:spcAft>
-                <a:spcPts val="1000"/>
-              </a:spcAft>
-              <a:buSzPts val="1800"/>
-              <a:buFont typeface="+mj-lt"/>
-              <a:buAutoNum type="arabicPeriod" startAt="2"/>
-            </a:pPr>
-            <a:r>
-              <a:rPr lang="en" dirty="0" smtClean="0"/>
-              <a:t>Review the OS commands code</a:t>
-            </a:r>
-          </a:p>
-          <a:p>
-            <a:pPr marL="114300">
-              <a:buNone/>
-            </a:pPr>
-            <a:r>
-              <a:rPr lang="it-IT" sz="800" dirty="0" smtClean="0">
-                <a:solidFill>
-                  <a:srgbClr val="FA8006"/>
-                </a:solidFill>
-                <a:latin typeface="Courier New" panose="02070309020205020404" pitchFamily="49" charset="0"/>
-                <a:cs typeface="Courier New" panose="02070309020205020404" pitchFamily="49" charset="0"/>
-              </a:rPr>
-              <a:t>./ComputerProgrammingBasic/exercise2/operativesystem.py</a:t>
-            </a:r>
-            <a:endParaRPr lang="en" sz="800" dirty="0">
-              <a:solidFill>
-                <a:srgbClr val="FA8006"/>
-              </a:solidFill>
-              <a:latin typeface="Courier New" panose="02070309020205020404" pitchFamily="49" charset="0"/>
-              <a:cs typeface="Courier New" panose="02070309020205020404" pitchFamily="49" charset="0"/>
-            </a:endParaRPr>
           </a:p>
           <a:p>
             <a:pPr marL="457200" indent="-342900">
               <a:buFont typeface="+mj-lt"/>
-              <a:buAutoNum type="arabicPeriod" startAt="3"/>
+              <a:buAutoNum type="arabicPeriod" startAt="2"/>
             </a:pPr>
             <a:r>
               <a:rPr lang="en" dirty="0" smtClean="0"/>
@@ -12072,39 +12078,28 @@
             </a:r>
             <a:r>
               <a:rPr lang="it-IT" b="1" dirty="0" smtClean="0"/>
-              <a:t>create</a:t>
+              <a:t>init</a:t>
             </a:r>
             <a:r>
               <a:rPr lang="it-IT" b="1" dirty="0" smtClean="0">
-                <a:latin typeface="Microsoft YaHei" panose="020B0503020204020204" pitchFamily="34" charset="-122"/>
-                <a:ea typeface="Microsoft YaHei" panose="020B0503020204020204" pitchFamily="34" charset="-122"/>
+                <a:latin typeface="Microsoft YaHei UI" panose="020B0503020204020204" pitchFamily="34" charset="-122"/>
+                <a:ea typeface="Microsoft YaHei UI" panose="020B0503020204020204" pitchFamily="34" charset="-122"/>
               </a:rPr>
               <a:t>_</a:t>
             </a:r>
             <a:r>
               <a:rPr lang="it-IT" b="1" dirty="0" smtClean="0"/>
-              <a:t>directory(.) </a:t>
+              <a:t>buttons(.) </a:t>
             </a:r>
             <a:r>
               <a:rPr lang="it-IT" dirty="0" smtClean="0"/>
-              <a:t>adding the right File System API</a:t>
+              <a:t>adding a </a:t>
+            </a:r>
+            <a:r>
+              <a:rPr lang="it-IT" smtClean="0"/>
+              <a:t>new Break/Pomodoro button</a:t>
             </a:r>
             <a:endParaRPr lang="en" dirty="0"/>
-          </a:p>
-          <a:p>
-            <a:pPr marL="114300" lvl="0">
-              <a:buNone/>
-            </a:pPr>
-            <a:r>
-              <a:rPr lang="it-IT" sz="800" dirty="0">
-                <a:solidFill>
-                  <a:srgbClr val="FA8006"/>
-                </a:solidFill>
-                <a:latin typeface="Courier New" panose="02070309020205020404" pitchFamily="49" charset="0"/>
-                <a:cs typeface="Courier New" panose="02070309020205020404" pitchFamily="49" charset="0"/>
-              </a:rPr>
-              <a:t>./ComputerProgrammingBasic/exercise2/operativesystem.py</a:t>
-            </a:r>
           </a:p>
           <a:p>
             <a:pPr marL="114300" lvl="0" rtl="0">

--- a/lessons/Lesson_3.pptx
+++ b/lessons/Lesson_3.pptx
@@ -27,26 +27,26 @@
   <p:notesSz cx="6858000" cy="9144000"/>
   <p:embeddedFontLst>
     <p:embeddedFont>
-      <p:font typeface="Nunito Sans" panose="020B0604020202020204" charset="0"/>
+      <p:font typeface="Georgia" panose="02040502050405020303" pitchFamily="18" charset="0"/>
       <p:regular r:id="rId17"/>
       <p:bold r:id="rId18"/>
       <p:italic r:id="rId19"/>
       <p:boldItalic r:id="rId20"/>
     </p:embeddedFont>
     <p:embeddedFont>
-      <p:font typeface="Microsoft YaHei UI" panose="020B0503020204020204" pitchFamily="34" charset="-122"/>
+      <p:font typeface="Nunito Sans" panose="020B0604020202020204" charset="0"/>
       <p:regular r:id="rId21"/>
       <p:bold r:id="rId22"/>
+      <p:italic r:id="rId23"/>
+      <p:boldItalic r:id="rId24"/>
+    </p:embeddedFont>
+    <p:embeddedFont>
+      <p:font typeface="Microsoft YaHei UI" panose="020B0503020204020204" pitchFamily="34" charset="-122"/>
+      <p:regular r:id="rId25"/>
+      <p:bold r:id="rId26"/>
     </p:embeddedFont>
     <p:embeddedFont>
       <p:font typeface="Calibri" panose="020F0502020204030204" pitchFamily="34" charset="0"/>
-      <p:regular r:id="rId23"/>
-      <p:bold r:id="rId24"/>
-      <p:italic r:id="rId25"/>
-      <p:boldItalic r:id="rId26"/>
-    </p:embeddedFont>
-    <p:embeddedFont>
-      <p:font typeface="Georgia" panose="02040502050405020303" pitchFamily="18" charset="0"/>
       <p:regular r:id="rId27"/>
       <p:bold r:id="rId28"/>
       <p:italic r:id="rId29"/>
@@ -11730,11 +11730,7 @@
             </a:r>
             <a:r>
               <a:rPr lang="en" smtClean="0"/>
-              <a:t>Pomodoro </a:t>
-            </a:r>
-            <a:r>
-              <a:rPr lang="en" smtClean="0"/>
-              <a:t>Timer class </a:t>
+              <a:t>Pomodoro Timer class </a:t>
             </a:r>
             <a:r>
               <a:rPr lang="en" dirty="0" smtClean="0"/>
@@ -11964,33 +11960,7 @@
             </a:pPr>
             <a:r>
               <a:rPr lang="it-IT" dirty="0" smtClean="0"/>
-              <a:t>Add a new button to set two types of countdown:</a:t>
-            </a:r>
-          </a:p>
-          <a:p>
-            <a:pPr marL="285750" lvl="0" indent="-285750">
-              <a:spcBef>
-                <a:spcPts val="0"/>
-              </a:spcBef>
-              <a:buFontTx/>
-              <a:buChar char="-"/>
-            </a:pPr>
-            <a:r>
-              <a:rPr lang="it-IT" dirty="0" smtClean="0"/>
-              <a:t>Pomodoro 25 minutes</a:t>
-            </a:r>
-          </a:p>
-          <a:p>
-            <a:pPr marL="285750" lvl="0" indent="-285750">
-              <a:spcBef>
-                <a:spcPts val="0"/>
-              </a:spcBef>
-              <a:buFontTx/>
-              <a:buChar char="-"/>
-            </a:pPr>
-            <a:r>
-              <a:rPr lang="it-IT" dirty="0" smtClean="0"/>
-              <a:t>Break 5 minutes</a:t>
+              <a:t>Refactor Config class improving readability: adding get APIs to hide the content of the data structure</a:t>
             </a:r>
             <a:endParaRPr lang="en" dirty="0"/>
           </a:p>
@@ -12040,7 +12010,11 @@
             </a:r>
             <a:r>
               <a:rPr lang="en" dirty="0" smtClean="0"/>
-              <a:t>Pomodoro Timercode</a:t>
+              <a:t>Pomodoro </a:t>
+            </a:r>
+            <a:r>
+              <a:rPr lang="en" dirty="0" smtClean="0"/>
+              <a:t>Config</a:t>
             </a:r>
             <a:endParaRPr lang="en" dirty="0"/>
           </a:p>
@@ -12056,7 +12030,17 @@
                 <a:latin typeface="Courier New" panose="02070309020205020404" pitchFamily="49" charset="0"/>
                 <a:cs typeface="Courier New" panose="02070309020205020404" pitchFamily="49" charset="0"/>
               </a:rPr>
-              <a:t>./ComputerProgrammingBasic/exercise3/pomodoro_timer.py</a:t>
+              <a:t>./</a:t>
+            </a:r>
+            <a:r>
+              <a:rPr lang="it-IT" sz="800" dirty="0" smtClean="0">
+                <a:solidFill>
+                  <a:srgbClr val="FA8006"/>
+                </a:solidFill>
+                <a:latin typeface="Courier New" panose="02070309020205020404" pitchFamily="49" charset="0"/>
+                <a:cs typeface="Courier New" panose="02070309020205020404" pitchFamily="49" charset="0"/>
+              </a:rPr>
+              <a:t>ComputerProgrammingBasic/exercise3/config.py</a:t>
             </a:r>
             <a:endParaRPr lang="en" dirty="0" smtClean="0"/>
           </a:p>
@@ -12067,51 +12051,48 @@
             </a:pPr>
             <a:r>
               <a:rPr lang="en" dirty="0" smtClean="0"/>
-              <a:t>Update </a:t>
+              <a:t>Add </a:t>
             </a:r>
             <a:r>
               <a:rPr lang="it-IT" b="1" dirty="0" smtClean="0">
                 <a:latin typeface="Microsoft YaHei UI" panose="020B0503020204020204" pitchFamily="34" charset="-122"/>
                 <a:ea typeface="Microsoft YaHei UI" panose="020B0503020204020204" pitchFamily="34" charset="-122"/>
               </a:rPr>
-              <a:t>_</a:t>
-            </a:r>
-            <a:r>
-              <a:rPr lang="it-IT" b="1" dirty="0" smtClean="0"/>
-              <a:t>init</a:t>
-            </a:r>
-            <a:r>
-              <a:rPr lang="it-IT" b="1" dirty="0" smtClean="0">
+              <a:t>get APIs </a:t>
+            </a:r>
+            <a:r>
+              <a:rPr lang="it-IT" dirty="0" smtClean="0">
                 <a:latin typeface="Microsoft YaHei UI" panose="020B0503020204020204" pitchFamily="34" charset="-122"/>
                 <a:ea typeface="Microsoft YaHei UI" panose="020B0503020204020204" pitchFamily="34" charset="-122"/>
               </a:rPr>
-              <a:t>_</a:t>
-            </a:r>
-            <a:r>
-              <a:rPr lang="it-IT" b="1" dirty="0" smtClean="0"/>
-              <a:t>buttons(.) </a:t>
-            </a:r>
-            <a:r>
-              <a:rPr lang="it-IT" dirty="0" smtClean="0"/>
-              <a:t>adding a </a:t>
-            </a:r>
-            <a:r>
-              <a:rPr lang="it-IT" smtClean="0"/>
-              <a:t>new Break/Pomodoro button</a:t>
+              <a:t>to detacht the JSON data to the parameter</a:t>
             </a:r>
             <a:endParaRPr lang="en" dirty="0"/>
           </a:p>
           <a:p>
-            <a:pPr marL="114300" lvl="0" rtl="0">
-              <a:spcBef>
-                <a:spcPts val="0"/>
-              </a:spcBef>
-              <a:spcAft>
-                <a:spcPts val="1000"/>
-              </a:spcAft>
-              <a:buSzPts val="1800"/>
+            <a:pPr marL="114300">
               <a:buNone/>
             </a:pPr>
+            <a:r>
+              <a:rPr lang="it-IT" sz="800" dirty="0" smtClean="0">
+                <a:solidFill>
+                  <a:srgbClr val="FA8006"/>
+                </a:solidFill>
+                <a:latin typeface="Courier New" panose="02070309020205020404" pitchFamily="49" charset="0"/>
+                <a:cs typeface="Courier New" panose="02070309020205020404" pitchFamily="49" charset="0"/>
+              </a:rPr>
+              <a:t>e.g. </a:t>
+            </a:r>
+            <a:r>
+              <a:rPr lang="it-IT" sz="800" smtClean="0">
+                <a:solidFill>
+                  <a:srgbClr val="FA8006"/>
+                </a:solidFill>
+                <a:latin typeface="Courier New" panose="02070309020205020404" pitchFamily="49" charset="0"/>
+                <a:cs typeface="Courier New" panose="02070309020205020404" pitchFamily="49" charset="0"/>
+              </a:rPr>
+              <a:t>getForeGroundColor()</a:t>
+            </a:r>
             <a:endParaRPr lang="en" dirty="0"/>
           </a:p>
         </p:txBody>

--- a/lessons/Lesson_3.pptx
+++ b/lessons/Lesson_3.pptx
@@ -27,26 +27,26 @@
   <p:notesSz cx="6858000" cy="9144000"/>
   <p:embeddedFontLst>
     <p:embeddedFont>
-      <p:font typeface="Georgia" panose="02040502050405020303" pitchFamily="18" charset="0"/>
+      <p:font typeface="Microsoft YaHei UI" panose="020B0503020204020204" pitchFamily="34" charset="-122"/>
       <p:regular r:id="rId17"/>
       <p:bold r:id="rId18"/>
-      <p:italic r:id="rId19"/>
-      <p:boldItalic r:id="rId20"/>
     </p:embeddedFont>
     <p:embeddedFont>
       <p:font typeface="Nunito Sans" panose="020B0604020202020204" charset="0"/>
-      <p:regular r:id="rId21"/>
-      <p:bold r:id="rId22"/>
-      <p:italic r:id="rId23"/>
-      <p:boldItalic r:id="rId24"/>
-    </p:embeddedFont>
-    <p:embeddedFont>
-      <p:font typeface="Microsoft YaHei UI" panose="020B0503020204020204" pitchFamily="34" charset="-122"/>
-      <p:regular r:id="rId25"/>
-      <p:bold r:id="rId26"/>
+      <p:regular r:id="rId19"/>
+      <p:bold r:id="rId20"/>
+      <p:italic r:id="rId21"/>
+      <p:boldItalic r:id="rId22"/>
     </p:embeddedFont>
     <p:embeddedFont>
       <p:font typeface="Calibri" panose="020F0502020204030204" pitchFamily="34" charset="0"/>
+      <p:regular r:id="rId23"/>
+      <p:bold r:id="rId24"/>
+      <p:italic r:id="rId25"/>
+      <p:boldItalic r:id="rId26"/>
+    </p:embeddedFont>
+    <p:embeddedFont>
+      <p:font typeface="Georgia" panose="02040502050405020303" pitchFamily="18" charset="0"/>
       <p:regular r:id="rId27"/>
       <p:bold r:id="rId28"/>
       <p:italic r:id="rId29"/>
@@ -11472,7 +11472,23 @@
                   <a:srgbClr val="FFFFFF"/>
                 </a:solidFill>
               </a:rPr>
-              <a:t>Programming a virtual OS in a Structured Language</a:t>
+              <a:t>Programming </a:t>
+            </a:r>
+            <a:r>
+              <a:rPr lang="en" i="1" smtClean="0">
+                <a:solidFill>
+                  <a:srgbClr val="FFFFFF"/>
+                </a:solidFill>
+              </a:rPr>
+              <a:t>a </a:t>
+            </a:r>
+            <a:r>
+              <a:rPr lang="en" i="1" smtClean="0">
+                <a:solidFill>
+                  <a:srgbClr val="FFFFFF"/>
+                </a:solidFill>
+              </a:rPr>
+              <a:t>Graphical Application of the Pomodoro Timer</a:t>
             </a:r>
             <a:endParaRPr lang="en" i="1" dirty="0">
               <a:solidFill>
@@ -12010,11 +12026,7 @@
             </a:r>
             <a:r>
               <a:rPr lang="en" dirty="0" smtClean="0"/>
-              <a:t>Pomodoro </a:t>
-            </a:r>
-            <a:r>
-              <a:rPr lang="en" dirty="0" smtClean="0"/>
-              <a:t>Config</a:t>
+              <a:t>Pomodoro Config</a:t>
             </a:r>
             <a:endParaRPr lang="en" dirty="0"/>
           </a:p>
@@ -12030,17 +12042,7 @@
                 <a:latin typeface="Courier New" panose="02070309020205020404" pitchFamily="49" charset="0"/>
                 <a:cs typeface="Courier New" panose="02070309020205020404" pitchFamily="49" charset="0"/>
               </a:rPr>
-              <a:t>./</a:t>
-            </a:r>
-            <a:r>
-              <a:rPr lang="it-IT" sz="800" dirty="0" smtClean="0">
-                <a:solidFill>
-                  <a:srgbClr val="FA8006"/>
-                </a:solidFill>
-                <a:latin typeface="Courier New" panose="02070309020205020404" pitchFamily="49" charset="0"/>
-                <a:cs typeface="Courier New" panose="02070309020205020404" pitchFamily="49" charset="0"/>
-              </a:rPr>
-              <a:t>ComputerProgrammingBasic/exercise3/config.py</a:t>
+              <a:t>./ComputerProgrammingBasic/exercise3/config.py</a:t>
             </a:r>
             <a:endParaRPr lang="en" dirty="0" smtClean="0"/>
           </a:p>
